--- a/1_introduction/How_autodiff_changed_the_world.pptx
+++ b/1_introduction/How_autodiff_changed_the_world.pptx
@@ -227,7 +227,7 @@
           <a:p>
             <a:fld id="{D75CAE95-D2DD-4998-876A-092BFD628C65}" type="datetimeFigureOut">
               <a:rPr lang="da-DK" smtClean="0"/>
-              <a:t>28-04-2021</a:t>
+              <a:t>06-05-2021</a:t>
             </a:fld>
             <a:endParaRPr lang="da-DK"/>
           </a:p>
@@ -405,7 +405,7 @@
           <a:p>
             <a:fld id="{1DA8E099-58AA-4136-B409-1CAD1943D842}" type="datetimeFigureOut">
               <a:rPr lang="da-DK" smtClean="0"/>
-              <a:t>28-04-2021</a:t>
+              <a:t>06-05-2021</a:t>
             </a:fld>
             <a:endParaRPr lang="da-DK"/>
           </a:p>
@@ -823,7 +823,7 @@
           <a:p>
             <a:fld id="{C85334AD-9960-4065-BF34-86ED0345A76D}" type="datetime1">
               <a:rPr lang="en-US" smtClean="0"/>
-              <a:t>4/28/2021</a:t>
+              <a:t>5/6/2021</a:t>
             </a:fld>
             <a:endParaRPr lang="da-DK"/>
           </a:p>
@@ -1062,7 +1062,7 @@
           <a:p>
             <a:fld id="{C5669758-3775-48D7-A841-693E908C3BF4}" type="datetime1">
               <a:rPr lang="en-US" smtClean="0"/>
-              <a:t>4/28/2021</a:t>
+              <a:t>5/6/2021</a:t>
             </a:fld>
             <a:endParaRPr lang="da-DK"/>
           </a:p>
@@ -1275,7 +1275,7 @@
           <a:p>
             <a:fld id="{1E0C3FF1-EDBD-4F2A-8366-34A4E3728310}" type="datetime1">
               <a:rPr lang="en-US" smtClean="0"/>
-              <a:t>4/28/2021</a:t>
+              <a:t>5/6/2021</a:t>
             </a:fld>
             <a:endParaRPr lang="da-DK"/>
           </a:p>
@@ -1496,7 +1496,7 @@
           <a:p>
             <a:fld id="{019E29B9-5584-4737-9C98-1B926378C778}" type="datetime1">
               <a:rPr lang="en-US" smtClean="0"/>
-              <a:t>4/28/2021</a:t>
+              <a:t>5/6/2021</a:t>
             </a:fld>
             <a:endParaRPr lang="da-DK"/>
           </a:p>
@@ -1811,7 +1811,7 @@
           <a:p>
             <a:fld id="{FCE38F03-F67D-4508-A858-99FCD085087C}" type="datetime1">
               <a:rPr lang="en-US" smtClean="0"/>
-              <a:t>4/28/2021</a:t>
+              <a:t>5/6/2021</a:t>
             </a:fld>
             <a:endParaRPr lang="da-DK"/>
           </a:p>
@@ -2082,7 +2082,7 @@
           <a:p>
             <a:fld id="{B43F2930-3FFD-4F93-A4BD-4F0D1A0B4514}" type="datetime1">
               <a:rPr lang="en-US" smtClean="0"/>
-              <a:t>4/28/2021</a:t>
+              <a:t>5/6/2021</a:t>
             </a:fld>
             <a:endParaRPr lang="da-DK"/>
           </a:p>
@@ -2500,7 +2500,7 @@
           <a:p>
             <a:fld id="{8E0F9B9B-30CC-4693-8E0F-1A94A979E2C5}" type="datetime1">
               <a:rPr lang="en-US" smtClean="0"/>
-              <a:t>4/28/2021</a:t>
+              <a:t>5/6/2021</a:t>
             </a:fld>
             <a:endParaRPr lang="da-DK"/>
           </a:p>
@@ -2645,7 +2645,7 @@
           <a:p>
             <a:fld id="{6FE1433B-E6A7-44FF-8B55-539471B4D7C5}" type="datetime1">
               <a:rPr lang="en-US" smtClean="0"/>
-              <a:t>4/28/2021</a:t>
+              <a:t>5/6/2021</a:t>
             </a:fld>
             <a:endParaRPr lang="da-DK"/>
           </a:p>
@@ -2761,7 +2761,7 @@
           <a:p>
             <a:fld id="{624F4001-6A8C-42DA-824F-B5CC1375B861}" type="datetime1">
               <a:rPr lang="en-US" smtClean="0"/>
-              <a:t>4/28/2021</a:t>
+              <a:t>5/6/2021</a:t>
             </a:fld>
             <a:endParaRPr lang="da-DK"/>
           </a:p>
@@ -3077,7 +3077,7 @@
           <a:p>
             <a:fld id="{2D3BE137-2C5E-4078-8BA2-7D42D7E67218}" type="datetime1">
               <a:rPr lang="en-US" smtClean="0"/>
-              <a:t>4/28/2021</a:t>
+              <a:t>5/6/2021</a:t>
             </a:fld>
             <a:endParaRPr lang="da-DK"/>
           </a:p>
@@ -3369,7 +3369,7 @@
           <a:p>
             <a:fld id="{0D1436FF-56D3-4E93-92E8-71121EAB120E}" type="datetime1">
               <a:rPr lang="en-US" smtClean="0"/>
-              <a:t>4/28/2021</a:t>
+              <a:t>5/6/2021</a:t>
             </a:fld>
             <a:endParaRPr lang="da-DK"/>
           </a:p>
@@ -3615,7 +3615,7 @@
           <a:p>
             <a:fld id="{16601EF2-4BCA-4009-ACCF-B97F259DEF6F}" type="datetime1">
               <a:rPr lang="en-US" smtClean="0"/>
-              <a:t>4/28/2021</a:t>
+              <a:t>5/6/2021</a:t>
             </a:fld>
             <a:endParaRPr lang="da-DK"/>
           </a:p>
@@ -4238,7 +4238,7 @@
           <a:p>
             <a:fld id="{019E29B9-5584-4737-9C98-1B926378C778}" type="datetime1">
               <a:rPr lang="en-US" smtClean="0"/>
-              <a:t>4/28/2021</a:t>
+              <a:t>5/6/2021</a:t>
             </a:fld>
             <a:endParaRPr lang="da-DK"/>
           </a:p>
@@ -4485,7 +4485,7 @@
           <a:p>
             <a:fld id="{019E29B9-5584-4737-9C98-1B926378C778}" type="datetime1">
               <a:rPr lang="en-US" smtClean="0"/>
-              <a:t>4/28/2021</a:t>
+              <a:t>5/6/2021</a:t>
             </a:fld>
             <a:endParaRPr lang="da-DK"/>
           </a:p>
@@ -4899,7 +4899,7 @@
           <a:p>
             <a:fld id="{019E29B9-5584-4737-9C98-1B926378C778}" type="datetime1">
               <a:rPr lang="en-US" smtClean="0"/>
-              <a:t>4/28/2021</a:t>
+              <a:t>5/6/2021</a:t>
             </a:fld>
             <a:endParaRPr lang="da-DK"/>
           </a:p>
@@ -5295,7 +5295,7 @@
           <a:p>
             <a:fld id="{019E29B9-5584-4737-9C98-1B926378C778}" type="datetime1">
               <a:rPr lang="en-US" smtClean="0"/>
-              <a:t>4/28/2021</a:t>
+              <a:t>5/6/2021</a:t>
             </a:fld>
             <a:endParaRPr lang="da-DK"/>
           </a:p>
@@ -5520,7 +5520,7 @@
           <a:p>
             <a:fld id="{019E29B9-5584-4737-9C98-1B926378C778}" type="datetime1">
               <a:rPr lang="en-US" smtClean="0"/>
-              <a:t>4/28/2021</a:t>
+              <a:t>5/6/2021</a:t>
             </a:fld>
             <a:endParaRPr lang="da-DK"/>
           </a:p>
@@ -5755,7 +5755,7 @@
           <a:p>
             <a:fld id="{019E29B9-5584-4737-9C98-1B926378C778}" type="datetime1">
               <a:rPr lang="en-US" smtClean="0"/>
-              <a:t>4/28/2021</a:t>
+              <a:t>5/6/2021</a:t>
             </a:fld>
             <a:endParaRPr lang="da-DK"/>
           </a:p>
@@ -5899,7 +5899,7 @@
           <a:p>
             <a:fld id="{019E29B9-5584-4737-9C98-1B926378C778}" type="datetime1">
               <a:rPr lang="en-US" smtClean="0"/>
-              <a:t>4/28/2021</a:t>
+              <a:t>5/6/2021</a:t>
             </a:fld>
             <a:endParaRPr lang="da-DK"/>
           </a:p>
@@ -6219,7 +6219,7 @@
           <a:p>
             <a:fld id="{019E29B9-5584-4737-9C98-1B926378C778}" type="datetime1">
               <a:rPr lang="en-US" smtClean="0"/>
-              <a:t>4/28/2021</a:t>
+              <a:t>5/6/2021</a:t>
             </a:fld>
             <a:endParaRPr lang="da-DK"/>
           </a:p>
@@ -6558,6 +6558,42 @@
           </a:fontRef>
         </p:style>
       </p:cxnSp>
+      <p:pic>
+        <p:nvPicPr>
+          <p:cNvPr id="11" name="Picture 10">
+            <a:extLst>
+              <a:ext uri="{FF2B5EF4-FFF2-40B4-BE49-F238E27FC236}">
+                <a16:creationId xmlns:a16="http://schemas.microsoft.com/office/drawing/2014/main" id="{111FCE12-0D80-4B41-BDE7-0BA74B22915A}"/>
+              </a:ext>
+            </a:extLst>
+          </p:cNvPr>
+          <p:cNvPicPr>
+            <a:picLocks noChangeAspect="1"/>
+          </p:cNvPicPr>
+          <p:nvPr/>
+        </p:nvPicPr>
+        <p:blipFill>
+          <a:blip r:embed="rId3">
+            <a:extLst>
+              <a:ext uri="{28A0092B-C50C-407E-A947-70E740481C1C}">
+                <a14:useLocalDpi xmlns:a14="http://schemas.microsoft.com/office/drawing/2010/main" val="0"/>
+              </a:ext>
+            </a:extLst>
+          </a:blip>
+          <a:stretch>
+            <a:fillRect/>
+          </a:stretch>
+        </p:blipFill>
+        <p:spPr>
+          <a:xfrm>
+            <a:off x="7909881" y="5292288"/>
+            <a:ext cx="1401437" cy="1184576"/>
+          </a:xfrm>
+          <a:prstGeom prst="rect">
+            <a:avLst/>
+          </a:prstGeom>
+        </p:spPr>
+      </p:pic>
     </p:spTree>
     <p:extLst>
       <p:ext uri="{BB962C8B-B14F-4D97-AF65-F5344CB8AC3E}">
@@ -6644,7 +6680,7 @@
           <a:p>
             <a:fld id="{019E29B9-5584-4737-9C98-1B926378C778}" type="datetime1">
               <a:rPr lang="en-US" smtClean="0"/>
-              <a:t>4/28/2021</a:t>
+              <a:t>5/6/2021</a:t>
             </a:fld>
             <a:endParaRPr lang="da-DK"/>
           </a:p>
@@ -6813,7 +6849,7 @@
           <a:p>
             <a:fld id="{019E29B9-5584-4737-9C98-1B926378C778}" type="datetime1">
               <a:rPr lang="en-US" smtClean="0"/>
-              <a:t>4/28/2021</a:t>
+              <a:t>5/6/2021</a:t>
             </a:fld>
             <a:endParaRPr lang="da-DK"/>
           </a:p>
@@ -7030,7 +7066,7 @@
           <a:p>
             <a:fld id="{0DE03C17-2118-466B-9E30-BC2A82864501}" type="datetime1">
               <a:rPr lang="en-US" smtClean="0"/>
-              <a:t>4/28/2021</a:t>
+              <a:t>5/6/2021</a:t>
             </a:fld>
             <a:endParaRPr lang="da-DK"/>
           </a:p>
@@ -7174,7 +7210,7 @@
           <a:p>
             <a:fld id="{019E29B9-5584-4737-9C98-1B926378C778}" type="datetime1">
               <a:rPr lang="en-US" smtClean="0"/>
-              <a:t>4/28/2021</a:t>
+              <a:t>5/6/2021</a:t>
             </a:fld>
             <a:endParaRPr lang="da-DK"/>
           </a:p>
